--- a/MySQL/web database diagram MySQL.pptx
+++ b/MySQL/web database diagram MySQL.pptx
@@ -14,7 +14,7 @@
     <p:sldId id="256" r:id="rId5"/>
   </p:sldIdLst>
   <p:sldSz cx="9144000" cy="6858000" type="screen4x3"/>
-  <p:notesSz cx="9296400" cy="6881813"/>
+  <p:notesSz cx="9296400" cy="7010400"/>
   <p:defaultTextStyle>
     <a:defPPr>
       <a:defRPr lang="en-US"/>
@@ -181,7 +181,7 @@
         <p:spPr bwMode="auto">
           <a:xfrm>
             <a:off x="0" y="0"/>
-            <a:ext cx="4027488" cy="344488"/>
+            <a:ext cx="4027488" cy="350925"/>
           </a:xfrm>
           <a:prstGeom prst="rect">
             <a:avLst/>
@@ -196,13 +196,13 @@
           <a:effectLst/>
         </p:spPr>
         <p:txBody>
-          <a:bodyPr vert="horz" wrap="square" lIns="92958" tIns="46479" rIns="92958" bIns="46479" numCol="1" anchor="t" anchorCtr="0" compatLnSpc="1">
+          <a:bodyPr vert="horz" wrap="square" lIns="93688" tIns="46844" rIns="93688" bIns="46844" numCol="1" anchor="t" anchorCtr="0" compatLnSpc="1">
             <a:prstTxWarp prst="textNoShape">
               <a:avLst/>
             </a:prstTxWarp>
           </a:bodyPr>
           <a:lstStyle>
-            <a:lvl1pPr defTabSz="930275" eaLnBrk="1" hangingPunct="1">
+            <a:lvl1pPr defTabSz="937582" eaLnBrk="1" hangingPunct="1">
               <a:defRPr sz="1200"/>
             </a:lvl1pPr>
           </a:lstStyle>
@@ -224,7 +224,7 @@
         <p:spPr bwMode="auto">
           <a:xfrm>
             <a:off x="5267325" y="0"/>
-            <a:ext cx="4027488" cy="344488"/>
+            <a:ext cx="4027488" cy="350925"/>
           </a:xfrm>
           <a:prstGeom prst="rect">
             <a:avLst/>
@@ -239,13 +239,13 @@
           <a:effectLst/>
         </p:spPr>
         <p:txBody>
-          <a:bodyPr vert="horz" wrap="square" lIns="92958" tIns="46479" rIns="92958" bIns="46479" numCol="1" anchor="t" anchorCtr="0" compatLnSpc="1">
+          <a:bodyPr vert="horz" wrap="square" lIns="93688" tIns="46844" rIns="93688" bIns="46844" numCol="1" anchor="t" anchorCtr="0" compatLnSpc="1">
             <a:prstTxWarp prst="textNoShape">
               <a:avLst/>
             </a:prstTxWarp>
           </a:bodyPr>
           <a:lstStyle>
-            <a:lvl1pPr algn="r" defTabSz="930275" eaLnBrk="1" hangingPunct="1">
+            <a:lvl1pPr algn="r" defTabSz="937582" eaLnBrk="1" hangingPunct="1">
               <a:defRPr sz="1200"/>
             </a:lvl1pPr>
           </a:lstStyle>
@@ -266,8 +266,8 @@
         </p:nvSpPr>
         <p:spPr bwMode="auto">
           <a:xfrm>
-            <a:off x="0" y="6535738"/>
-            <a:ext cx="4027488" cy="344487"/>
+            <a:off x="0" y="6657859"/>
+            <a:ext cx="4027488" cy="350924"/>
           </a:xfrm>
           <a:prstGeom prst="rect">
             <a:avLst/>
@@ -282,13 +282,13 @@
           <a:effectLst/>
         </p:spPr>
         <p:txBody>
-          <a:bodyPr vert="horz" wrap="square" lIns="92958" tIns="46479" rIns="92958" bIns="46479" numCol="1" anchor="b" anchorCtr="0" compatLnSpc="1">
+          <a:bodyPr vert="horz" wrap="square" lIns="93688" tIns="46844" rIns="93688" bIns="46844" numCol="1" anchor="b" anchorCtr="0" compatLnSpc="1">
             <a:prstTxWarp prst="textNoShape">
               <a:avLst/>
             </a:prstTxWarp>
           </a:bodyPr>
           <a:lstStyle>
-            <a:lvl1pPr defTabSz="930275" eaLnBrk="1" hangingPunct="1">
+            <a:lvl1pPr defTabSz="937582" eaLnBrk="1" hangingPunct="1">
               <a:defRPr sz="1200"/>
             </a:lvl1pPr>
           </a:lstStyle>
@@ -309,8 +309,8 @@
         </p:nvSpPr>
         <p:spPr bwMode="auto">
           <a:xfrm>
-            <a:off x="5267325" y="6535738"/>
-            <a:ext cx="4027488" cy="344487"/>
+            <a:off x="5267325" y="6657859"/>
+            <a:ext cx="4027488" cy="350924"/>
           </a:xfrm>
           <a:prstGeom prst="rect">
             <a:avLst/>
@@ -325,13 +325,13 @@
           <a:effectLst/>
         </p:spPr>
         <p:txBody>
-          <a:bodyPr vert="horz" wrap="square" lIns="92958" tIns="46479" rIns="92958" bIns="46479" numCol="1" anchor="b" anchorCtr="0" compatLnSpc="1">
+          <a:bodyPr vert="horz" wrap="square" lIns="93688" tIns="46844" rIns="93688" bIns="46844" numCol="1" anchor="b" anchorCtr="0" compatLnSpc="1">
             <a:prstTxWarp prst="textNoShape">
               <a:avLst/>
             </a:prstTxWarp>
           </a:bodyPr>
           <a:lstStyle>
-            <a:lvl1pPr algn="r" defTabSz="930275" eaLnBrk="1" hangingPunct="1">
+            <a:lvl1pPr algn="r" defTabSz="937582" eaLnBrk="1" hangingPunct="1">
               <a:defRPr sz="1200"/>
             </a:lvl1pPr>
           </a:lstStyle>
@@ -385,15 +385,15 @@
         </p:nvSpPr>
         <p:spPr>
           <a:xfrm>
-            <a:off x="0" y="0"/>
-            <a:ext cx="4029075" cy="344488"/>
+            <a:off x="1" y="0"/>
+            <a:ext cx="4029075" cy="350925"/>
           </a:xfrm>
           <a:prstGeom prst="rect">
             <a:avLst/>
           </a:prstGeom>
         </p:spPr>
         <p:txBody>
-          <a:bodyPr vert="horz" lIns="91440" tIns="45720" rIns="91440" bIns="45720" rtlCol="0"/>
+          <a:bodyPr vert="horz" lIns="92158" tIns="46079" rIns="92158" bIns="46079" rtlCol="0"/>
           <a:lstStyle>
             <a:lvl1pPr algn="l">
               <a:defRPr sz="1200"/>
@@ -416,15 +416,15 @@
         </p:nvSpPr>
         <p:spPr>
           <a:xfrm>
-            <a:off x="5265738" y="0"/>
-            <a:ext cx="4029075" cy="344488"/>
+            <a:off x="5265739" y="0"/>
+            <a:ext cx="4029075" cy="350925"/>
           </a:xfrm>
           <a:prstGeom prst="rect">
             <a:avLst/>
           </a:prstGeom>
         </p:spPr>
         <p:txBody>
-          <a:bodyPr vert="horz" lIns="91440" tIns="45720" rIns="91440" bIns="45720" rtlCol="0"/>
+          <a:bodyPr vert="horz" lIns="92158" tIns="46079" rIns="92158" bIns="46079" rtlCol="0"/>
           <a:lstStyle>
             <a:lvl1pPr algn="r">
               <a:defRPr sz="1200"/>
@@ -434,7 +434,7 @@
             <a:fld id="{C069A89A-C31A-4E20-A47B-6FF841791F83}" type="datetimeFigureOut">
               <a:rPr lang="en-US" smtClean="0"/>
               <a:pPr/>
-              <a:t>1/24/2013</a:t>
+              <a:t>10/25/2013</a:t>
             </a:fld>
             <a:endParaRPr lang="en-US"/>
           </a:p>
@@ -452,8 +452,8 @@
         </p:nvSpPr>
         <p:spPr>
           <a:xfrm>
-            <a:off x="2927350" y="515938"/>
-            <a:ext cx="3441700" cy="2581275"/>
+            <a:off x="2895600" y="525463"/>
+            <a:ext cx="3505200" cy="2628900"/>
           </a:xfrm>
           <a:prstGeom prst="rect">
             <a:avLst/>
@@ -466,7 +466,7 @@
           </a:ln>
         </p:spPr>
         <p:txBody>
-          <a:bodyPr vert="horz" lIns="91440" tIns="45720" rIns="91440" bIns="45720" rtlCol="0" anchor="ctr"/>
+          <a:bodyPr vert="horz" lIns="92158" tIns="46079" rIns="92158" bIns="46079" rtlCol="0" anchor="ctr"/>
           <a:lstStyle/>
           <a:p>
             <a:endParaRPr lang="en-US"/>
@@ -485,15 +485,15 @@
         </p:nvSpPr>
         <p:spPr>
           <a:xfrm>
-            <a:off x="930275" y="3268663"/>
-            <a:ext cx="7435850" cy="3097212"/>
+            <a:off x="930276" y="3329738"/>
+            <a:ext cx="7435850" cy="3155084"/>
           </a:xfrm>
           <a:prstGeom prst="rect">
             <a:avLst/>
           </a:prstGeom>
         </p:spPr>
         <p:txBody>
-          <a:bodyPr vert="horz" lIns="91440" tIns="45720" rIns="91440" bIns="45720" rtlCol="0">
+          <a:bodyPr vert="horz" lIns="92158" tIns="46079" rIns="92158" bIns="46079" rtlCol="0">
             <a:normAutofit/>
           </a:bodyPr>
           <a:lstStyle/>
@@ -547,15 +547,15 @@
         </p:nvSpPr>
         <p:spPr>
           <a:xfrm>
-            <a:off x="0" y="6535738"/>
-            <a:ext cx="4029075" cy="344487"/>
+            <a:off x="1" y="6657859"/>
+            <a:ext cx="4029075" cy="350924"/>
           </a:xfrm>
           <a:prstGeom prst="rect">
             <a:avLst/>
           </a:prstGeom>
         </p:spPr>
         <p:txBody>
-          <a:bodyPr vert="horz" lIns="91440" tIns="45720" rIns="91440" bIns="45720" rtlCol="0" anchor="b"/>
+          <a:bodyPr vert="horz" lIns="92158" tIns="46079" rIns="92158" bIns="46079" rtlCol="0" anchor="b"/>
           <a:lstStyle>
             <a:lvl1pPr algn="l">
               <a:defRPr sz="1200"/>
@@ -578,15 +578,15 @@
         </p:nvSpPr>
         <p:spPr>
           <a:xfrm>
-            <a:off x="5265738" y="6535738"/>
-            <a:ext cx="4029075" cy="344487"/>
+            <a:off x="5265739" y="6657859"/>
+            <a:ext cx="4029075" cy="350924"/>
           </a:xfrm>
           <a:prstGeom prst="rect">
             <a:avLst/>
           </a:prstGeom>
         </p:spPr>
         <p:txBody>
-          <a:bodyPr vert="horz" lIns="91440" tIns="45720" rIns="91440" bIns="45720" rtlCol="0" anchor="b"/>
+          <a:bodyPr vert="horz" lIns="92158" tIns="46079" rIns="92158" bIns="46079" rtlCol="0" anchor="b"/>
           <a:lstStyle>
             <a:lvl1pPr algn="r">
               <a:defRPr sz="1200"/>
@@ -3834,6 +3834,7 @@
             <a:solidFill>
               <a:schemeClr val="tx1"/>
             </a:solidFill>
+            <a:prstDash val="dash"/>
             <a:round/>
             <a:headEnd/>
             <a:tailEnd type="triangle" w="med" len="med"/>
@@ -3869,7 +3870,7 @@
             <a:solidFill>
               <a:schemeClr val="tx1"/>
             </a:solidFill>
-            <a:prstDash val="solid"/>
+            <a:prstDash val="dash"/>
             <a:round/>
             <a:headEnd/>
             <a:tailEnd type="triangle" w="med" len="med"/>
@@ -3900,6 +3901,9 @@
           <a:prstGeom prst="rect">
             <a:avLst/>
           </a:prstGeom>
+          <a:solidFill>
+            <a:srgbClr val="00FFFF"/>
+          </a:solidFill>
           <a:ln>
             <a:headEnd/>
             <a:tailEnd/>
@@ -5058,6 +5062,9 @@
           <a:prstGeom prst="rect">
             <a:avLst/>
           </a:prstGeom>
+          <a:solidFill>
+            <a:srgbClr val="FFCC99"/>
+          </a:solidFill>
           <a:ln>
             <a:headEnd/>
             <a:tailEnd/>
@@ -5113,7 +5120,7 @@
           <a:p>
             <a:pPr algn="ctr" eaLnBrk="1" hangingPunct="1"/>
             <a:r>
-              <a:rPr lang="en-US" altLang="zh-CN" sz="900" smtClean="0">
+              <a:rPr lang="en-US" altLang="zh-CN" sz="900" dirty="0" smtClean="0">
                 <a:effectLst>
                   <a:outerShdw blurRad="38100" dist="38100" dir="2700000" algn="tl">
                     <a:srgbClr val="C0C0C0"/>
@@ -5123,14 +5130,6 @@
               </a:rPr>
               <a:t>IP: 10.50.4.20</a:t>
             </a:r>
-            <a:endParaRPr lang="en-US" altLang="zh-CN" sz="900" dirty="0" smtClean="0">
-              <a:effectLst>
-                <a:outerShdw blurRad="38100" dist="38100" dir="2700000" algn="tl">
-                  <a:srgbClr val="C0C0C0"/>
-                </a:outerShdw>
-              </a:effectLst>
-              <a:ea typeface="SimSun" pitchFamily="2" charset="-122"/>
-            </a:endParaRPr>
           </a:p>
           <a:p>
             <a:pPr algn="ctr" eaLnBrk="1" hangingPunct="1"/>
@@ -5172,6 +5171,9 @@
           <a:prstGeom prst="rect">
             <a:avLst/>
           </a:prstGeom>
+          <a:solidFill>
+            <a:srgbClr val="00FFCC"/>
+          </a:solidFill>
           <a:ln>
             <a:headEnd/>
             <a:tailEnd/>
@@ -5889,6 +5891,9 @@
           <a:prstGeom prst="rect">
             <a:avLst/>
           </a:prstGeom>
+          <a:solidFill>
+            <a:srgbClr val="FF9966"/>
+          </a:solidFill>
           <a:ln>
             <a:headEnd/>
             <a:tailEnd/>
@@ -6136,11 +6141,14 @@
         <p:spPr bwMode="auto">
           <a:xfrm>
             <a:off x="3505200" y="3657600"/>
-            <a:ext cx="990600" cy="584775"/>
+            <a:ext cx="990600" cy="707886"/>
           </a:xfrm>
           <a:prstGeom prst="rect">
             <a:avLst/>
           </a:prstGeom>
+          <a:solidFill>
+            <a:srgbClr val="00FFFF"/>
+          </a:solidFill>
           <a:ln>
             <a:headEnd/>
             <a:tailEnd/>
@@ -6220,7 +6228,21 @@
               </a:rPr>
               <a:t>Port: 5100</a:t>
             </a:r>
-            <a:endParaRPr lang="en-US" altLang="zh-CN" sz="800" dirty="0">
+          </a:p>
+          <a:p>
+            <a:pPr algn="ctr" eaLnBrk="1" hangingPunct="1"/>
+            <a:r>
+              <a:rPr lang="en-US" altLang="zh-CN" sz="800" u="sng" dirty="0" smtClean="0">
+                <a:effectLst>
+                  <a:outerShdw blurRad="38100" dist="38100" dir="2700000" algn="tl">
+                    <a:srgbClr val="C0C0C0"/>
+                  </a:outerShdw>
+                </a:effectLst>
+                <a:ea typeface="SimSun" pitchFamily="2" charset="-122"/>
+              </a:rPr>
+              <a:t>BRONTO</a:t>
+            </a:r>
+            <a:endParaRPr lang="en-US" altLang="zh-CN" sz="800" u="sng" dirty="0">
               <a:effectLst>
                 <a:outerShdw blurRad="38100" dist="38100" dir="2700000" algn="tl">
                   <a:srgbClr val="C0C0C0"/>
@@ -6247,6 +6269,9 @@
           <a:prstGeom prst="rect">
             <a:avLst/>
           </a:prstGeom>
+          <a:solidFill>
+            <a:srgbClr val="00FFCC"/>
+          </a:solidFill>
           <a:ln>
             <a:headEnd/>
             <a:tailEnd/>
@@ -6353,6 +6378,9 @@
           <a:prstGeom prst="rect">
             <a:avLst/>
           </a:prstGeom>
+          <a:solidFill>
+            <a:srgbClr val="FF9966"/>
+          </a:solidFill>
           <a:ln>
             <a:headEnd/>
             <a:tailEnd/>
@@ -6459,6 +6487,9 @@
           <a:prstGeom prst="rect">
             <a:avLst/>
           </a:prstGeom>
+          <a:solidFill>
+            <a:srgbClr val="FFCC99"/>
+          </a:solidFill>
           <a:ln>
             <a:headEnd/>
             <a:tailEnd/>
@@ -7361,7 +7392,7 @@
                 </a:effectLst>
                 <a:ea typeface="SimSun" pitchFamily="2" charset="-122"/>
               </a:rPr>
-              <a:t>Member Slave 22</a:t>
+              <a:t>Member load 22</a:t>
             </a:r>
           </a:p>
           <a:p>
@@ -7590,7 +7621,7 @@
                 </a:effectLst>
                 <a:ea typeface="SimSun" pitchFamily="2" charset="-122"/>
               </a:rPr>
-              <a:t>Member Slave 24</a:t>
+              <a:t>Profile load 24</a:t>
             </a:r>
           </a:p>
           <a:p>
@@ -7702,8 +7733,8 @@
         </p:nvSpPr>
         <p:spPr bwMode="auto">
           <a:xfrm>
-            <a:off x="2209800" y="4419600"/>
-            <a:ext cx="914400" cy="369332"/>
+            <a:off x="2209800" y="4495800"/>
+            <a:ext cx="914400" cy="230832"/>
           </a:xfrm>
           <a:prstGeom prst="rect">
             <a:avLst/>
@@ -7743,7 +7774,7 @@
                 </a:effectLst>
                 <a:ea typeface="SimSun" pitchFamily="2" charset="-122"/>
               </a:rPr>
-              <a:t>Slave-Slave replication</a:t>
+              <a:t>Dump / Load</a:t>
             </a:r>
             <a:endParaRPr lang="en-US" altLang="zh-CN" sz="900" dirty="0">
               <a:effectLst>
@@ -7766,8 +7797,8 @@
         </p:nvSpPr>
         <p:spPr bwMode="auto">
           <a:xfrm>
-            <a:off x="6705600" y="4419600"/>
-            <a:ext cx="914400" cy="369332"/>
+            <a:off x="6705600" y="4572000"/>
+            <a:ext cx="914400" cy="230832"/>
           </a:xfrm>
           <a:prstGeom prst="rect">
             <a:avLst/>
@@ -7807,18 +7838,7 @@
                 </a:effectLst>
                 <a:ea typeface="SimSun" pitchFamily="2" charset="-122"/>
               </a:rPr>
-              <a:t>Slave-Slave </a:t>
-            </a:r>
-            <a:r>
-              <a:rPr lang="en-US" altLang="zh-CN" sz="900" dirty="0" smtClean="0">
-                <a:effectLst>
-                  <a:outerShdw blurRad="38100" dist="38100" dir="2700000" algn="tl">
-                    <a:srgbClr val="C0C0C0"/>
-                  </a:outerShdw>
-                </a:effectLst>
-                <a:ea typeface="SimSun" pitchFamily="2" charset="-122"/>
-              </a:rPr>
-              <a:t>replication</a:t>
+              <a:t>Dump / Load</a:t>
             </a:r>
             <a:endParaRPr lang="en-US" altLang="zh-CN" sz="900" dirty="0">
               <a:effectLst>
@@ -7923,6 +7943,9 @@
           <a:prstGeom prst="rect">
             <a:avLst/>
           </a:prstGeom>
+          <a:solidFill>
+            <a:srgbClr val="00FFCC"/>
+          </a:solidFill>
           <a:ln>
             <a:headEnd/>
             <a:tailEnd/>
@@ -8149,9 +8172,238 @@
             <a:fld id="{62316E24-EE9C-49F6-9ED4-92B2D1317F63}" type="datetime2">
               <a:rPr lang="en-US" altLang="zh-CN" sz="1200" smtClean="0"/>
               <a:pPr/>
-              <a:t>Thursday, January 24, 2013</a:t>
+              <a:t>Friday, October 25, 2013</a:t>
             </a:fld>
             <a:endParaRPr lang="en-US" altLang="zh-CN" sz="1200" dirty="0"/>
+          </a:p>
+        </p:txBody>
+      </p:sp>
+      <p:grpSp>
+        <p:nvGrpSpPr>
+          <p:cNvPr id="79" name="Group 160"/>
+          <p:cNvGrpSpPr>
+            <a:grpSpLocks/>
+          </p:cNvGrpSpPr>
+          <p:nvPr/>
+        </p:nvGrpSpPr>
+        <p:grpSpPr bwMode="auto">
+          <a:xfrm>
+            <a:off x="762000" y="4876800"/>
+            <a:ext cx="685800" cy="457200"/>
+            <a:chOff x="144" y="192"/>
+            <a:chExt cx="624" cy="528"/>
+          </a:xfrm>
+        </p:grpSpPr>
+        <p:pic>
+          <p:nvPicPr>
+            <p:cNvPr id="84" name="Picture 161"/>
+            <p:cNvPicPr>
+              <a:picLocks noChangeAspect="1" noChangeArrowheads="1"/>
+            </p:cNvPicPr>
+            <p:nvPr/>
+          </p:nvPicPr>
+          <p:blipFill>
+            <a:blip r:embed="rId2"/>
+            <a:srcRect/>
+            <a:stretch>
+              <a:fillRect/>
+            </a:stretch>
+          </p:blipFill>
+          <p:spPr bwMode="auto">
+            <a:xfrm>
+              <a:off x="144" y="192"/>
+              <a:ext cx="578" cy="505"/>
+            </a:xfrm>
+            <a:prstGeom prst="rect">
+              <a:avLst/>
+            </a:prstGeom>
+            <a:noFill/>
+          </p:spPr>
+        </p:pic>
+        <p:pic>
+          <p:nvPicPr>
+            <p:cNvPr id="91" name="Picture 162"/>
+            <p:cNvPicPr>
+              <a:picLocks noChangeArrowheads="1"/>
+            </p:cNvPicPr>
+            <p:nvPr/>
+          </p:nvPicPr>
+          <p:blipFill>
+            <a:blip r:embed="rId3"/>
+            <a:srcRect/>
+            <a:stretch>
+              <a:fillRect/>
+            </a:stretch>
+          </p:blipFill>
+          <p:spPr bwMode="auto">
+            <a:xfrm>
+              <a:off x="432" y="384"/>
+              <a:ext cx="336" cy="336"/>
+            </a:xfrm>
+            <a:prstGeom prst="rect">
+              <a:avLst/>
+            </a:prstGeom>
+            <a:noFill/>
+            <a:ln w="9525">
+              <a:noFill/>
+              <a:miter lim="800000"/>
+              <a:headEnd/>
+              <a:tailEnd/>
+            </a:ln>
+            <a:effectLst/>
+          </p:spPr>
+        </p:pic>
+      </p:grpSp>
+      <p:sp>
+        <p:nvSpPr>
+          <p:cNvPr id="102" name="Text Box 79"/>
+          <p:cNvSpPr txBox="1">
+            <a:spLocks noChangeArrowheads="1"/>
+          </p:cNvSpPr>
+          <p:nvPr/>
+        </p:nvSpPr>
+        <p:spPr bwMode="auto">
+          <a:xfrm>
+            <a:off x="381000" y="5410200"/>
+            <a:ext cx="1371600" cy="830997"/>
+          </a:xfrm>
+          <a:prstGeom prst="rect">
+            <a:avLst/>
+          </a:prstGeom>
+          <a:ln>
+            <a:headEnd/>
+            <a:tailEnd/>
+          </a:ln>
+        </p:spPr>
+        <p:style>
+          <a:lnRef idx="2">
+            <a:schemeClr val="accent2"/>
+          </a:lnRef>
+          <a:fillRef idx="1">
+            <a:schemeClr val="lt1"/>
+          </a:fillRef>
+          <a:effectRef idx="0">
+            <a:schemeClr val="accent2"/>
+          </a:effectRef>
+          <a:fontRef idx="minor">
+            <a:schemeClr val="dk1"/>
+          </a:fontRef>
+        </p:style>
+        <p:txBody>
+          <a:bodyPr wrap="square">
+            <a:spAutoFit/>
+          </a:bodyPr>
+          <a:lstStyle/>
+          <a:p>
+            <a:pPr algn="ctr" eaLnBrk="1" hangingPunct="1"/>
+            <a:r>
+              <a:rPr lang="en-US" altLang="zh-CN" sz="800" dirty="0" smtClean="0">
+                <a:effectLst>
+                  <a:outerShdw blurRad="38100" dist="38100" dir="2700000" algn="tl">
+                    <a:srgbClr val="C0C0C0"/>
+                  </a:outerShdw>
+                </a:effectLst>
+                <a:ea typeface="SimSun" pitchFamily="2" charset="-122"/>
+              </a:rPr>
+              <a:t>Dev/test</a:t>
+            </a:r>
+          </a:p>
+          <a:p>
+            <a:pPr algn="ctr" eaLnBrk="1" hangingPunct="1"/>
+            <a:r>
+              <a:rPr lang="en-US" altLang="zh-CN" sz="800" dirty="0" smtClean="0">
+                <a:effectLst>
+                  <a:outerShdw blurRad="38100" dist="38100" dir="2700000" algn="tl">
+                    <a:srgbClr val="C0C0C0"/>
+                  </a:outerShdw>
+                </a:effectLst>
+                <a:ea typeface="SimSun" pitchFamily="2" charset="-122"/>
+              </a:rPr>
+              <a:t>Host: g151db01</a:t>
+            </a:r>
+          </a:p>
+          <a:p>
+            <a:pPr algn="ctr" eaLnBrk="1" hangingPunct="1"/>
+            <a:r>
+              <a:rPr lang="en-US" altLang="zh-CN" sz="800" dirty="0" smtClean="0">
+                <a:effectLst>
+                  <a:outerShdw blurRad="38100" dist="38100" dir="2700000" algn="tl">
+                    <a:srgbClr val="C0C0C0"/>
+                  </a:outerShdw>
+                </a:effectLst>
+                <a:ea typeface="SimSun" pitchFamily="2" charset="-122"/>
+              </a:rPr>
+              <a:t>IP: 10.20.1.50</a:t>
+            </a:r>
+          </a:p>
+          <a:p>
+            <a:pPr algn="ctr" eaLnBrk="1" hangingPunct="1"/>
+            <a:r>
+              <a:rPr lang="en-US" altLang="zh-CN" sz="800" dirty="0" smtClean="0">
+                <a:effectLst>
+                  <a:outerShdw blurRad="38100" dist="38100" dir="2700000" algn="tl">
+                    <a:srgbClr val="C0C0C0"/>
+                  </a:outerShdw>
+                </a:effectLst>
+                <a:ea typeface="SimSun" pitchFamily="2" charset="-122"/>
+              </a:rPr>
+              <a:t>Port: 4010/5010</a:t>
+            </a:r>
+          </a:p>
+          <a:p>
+            <a:pPr algn="ctr" eaLnBrk="1" hangingPunct="1"/>
+            <a:r>
+              <a:rPr lang="en-US" altLang="zh-CN" sz="800" dirty="0" smtClean="0">
+                <a:effectLst>
+                  <a:outerShdw blurRad="38100" dist="38100" dir="2700000" algn="tl">
+                    <a:srgbClr val="C0C0C0"/>
+                  </a:outerShdw>
+                </a:effectLst>
+                <a:ea typeface="SimSun" pitchFamily="2" charset="-122"/>
+              </a:rPr>
+              <a:t>Storage: </a:t>
+            </a:r>
+            <a:r>
+              <a:rPr lang="en-US" altLang="zh-CN" sz="800" dirty="0" err="1" smtClean="0">
+                <a:effectLst>
+                  <a:outerShdw blurRad="38100" dist="38100" dir="2700000" algn="tl">
+                    <a:srgbClr val="C0C0C0"/>
+                  </a:outerShdw>
+                </a:effectLst>
+                <a:ea typeface="SimSun" pitchFamily="2" charset="-122"/>
+              </a:rPr>
+              <a:t>NetApp</a:t>
+            </a:r>
+            <a:endParaRPr lang="en-US" altLang="zh-CN" sz="800" dirty="0" smtClean="0">
+              <a:effectLst>
+                <a:outerShdw blurRad="38100" dist="38100" dir="2700000" algn="tl">
+                  <a:srgbClr val="C0C0C0"/>
+                </a:outerShdw>
+              </a:effectLst>
+              <a:ea typeface="SimSun" pitchFamily="2" charset="-122"/>
+            </a:endParaRPr>
+          </a:p>
+          <a:p>
+            <a:pPr algn="ctr" eaLnBrk="1" hangingPunct="1"/>
+            <a:r>
+              <a:rPr lang="en-US" altLang="zh-CN" sz="800" dirty="0" smtClean="0">
+                <a:effectLst>
+                  <a:outerShdw blurRad="38100" dist="38100" dir="2700000" algn="tl">
+                    <a:srgbClr val="C0C0C0"/>
+                  </a:outerShdw>
+                </a:effectLst>
+                <a:ea typeface="SimSun" pitchFamily="2" charset="-122"/>
+              </a:rPr>
+              <a:t>Location: 530 Kipling</a:t>
+            </a:r>
+            <a:endParaRPr lang="en-US" altLang="zh-CN" sz="800" dirty="0">
+              <a:effectLst>
+                <a:outerShdw blurRad="38100" dist="38100" dir="2700000" algn="tl">
+                  <a:srgbClr val="C0C0C0"/>
+                </a:outerShdw>
+              </a:effectLst>
+              <a:ea typeface="SimSun" pitchFamily="2" charset="-122"/>
+            </a:endParaRPr>
           </a:p>
         </p:txBody>
       </p:sp>
